--- a/Documents/PowerPoints/Senior Design Project - Gate 8.pptx
+++ b/Documents/PowerPoints/Senior Design Project - Gate 8.pptx
@@ -237,7 +237,7 @@
                 <a:latin typeface="Arial" pitchFamily="34" charset="0"/>
               </a:rPr>
               <a:pPr/>
-              <a:t>5/9/2013</a:t>
+              <a:t>5/10/2013</a:t>
             </a:fld>
             <a:endParaRPr lang="en-US" dirty="0">
               <a:latin typeface="Arial" pitchFamily="34" charset="0"/>
@@ -420,7 +420,7 @@
             <a:fld id="{FC1312E8-DAE4-4DB4-9959-6EFE043C5908}" type="datetimeFigureOut">
               <a:rPr lang="en-US" smtClean="0"/>
               <a:pPr/>
-              <a:t>5/9/2013</a:t>
+              <a:t>5/10/2013</a:t>
             </a:fld>
             <a:endParaRPr lang="en-US" dirty="0"/>
           </a:p>
@@ -895,7 +895,7 @@
             <a:fld id="{373724D0-DD0F-42EF-84DE-838DB5D26951}" type="datetime1">
               <a:rPr lang="en-US" smtClean="0"/>
               <a:pPr/>
-              <a:t>5/9/2013</a:t>
+              <a:t>5/10/2013</a:t>
             </a:fld>
             <a:endParaRPr lang="en-US" dirty="0"/>
           </a:p>
@@ -1139,7 +1139,7 @@
             <a:fld id="{7E42FB2E-ABA8-41CA-9C7C-28F5EB525474}" type="datetime1">
               <a:rPr lang="en-US" smtClean="0"/>
               <a:pPr/>
-              <a:t>5/9/2013</a:t>
+              <a:t>5/10/2013</a:t>
             </a:fld>
             <a:endParaRPr lang="en-US" dirty="0"/>
           </a:p>
@@ -1411,7 +1411,7 @@
             <a:fld id="{7E42FB2E-ABA8-41CA-9C7C-28F5EB525474}" type="datetime1">
               <a:rPr lang="en-US" smtClean="0"/>
               <a:pPr/>
-              <a:t>5/9/2013</a:t>
+              <a:t>5/10/2013</a:t>
             </a:fld>
             <a:endParaRPr lang="en-US" dirty="0"/>
           </a:p>
@@ -1824,7 +1824,7 @@
             <a:fld id="{7E42FB2E-ABA8-41CA-9C7C-28F5EB525474}" type="datetime1">
               <a:rPr lang="en-US" smtClean="0"/>
               <a:pPr/>
-              <a:t>5/9/2013</a:t>
+              <a:t>5/10/2013</a:t>
             </a:fld>
             <a:endParaRPr lang="en-US" dirty="0"/>
           </a:p>
@@ -1903,7 +1903,7 @@
             <a:fld id="{1620389F-DE1D-44C7-B37E-89BCC2F680BE}" type="datetime1">
               <a:rPr lang="en-US" smtClean="0"/>
               <a:pPr/>
-              <a:t>5/9/2013</a:t>
+              <a:t>5/10/2013</a:t>
             </a:fld>
             <a:endParaRPr lang="en-US"/>
           </a:p>
@@ -2014,7 +2014,7 @@
             <a:fld id="{7E42FB2E-ABA8-41CA-9C7C-28F5EB525474}" type="datetime1">
               <a:rPr lang="en-US" smtClean="0"/>
               <a:pPr/>
-              <a:t>5/9/2013</a:t>
+              <a:t>5/10/2013</a:t>
             </a:fld>
             <a:endParaRPr lang="en-US" dirty="0"/>
           </a:p>
@@ -2649,7 +2649,7 @@
             <a:fld id="{7E42FB2E-ABA8-41CA-9C7C-28F5EB525474}" type="datetime1">
               <a:rPr lang="en-US" smtClean="0"/>
               <a:pPr/>
-              <a:t>5/9/2013</a:t>
+              <a:t>5/10/2013</a:t>
             </a:fld>
             <a:endParaRPr lang="en-US" dirty="0"/>
           </a:p>
@@ -3086,11 +3086,7 @@
             <a:pPr lvl="0"/>
             <a:r>
               <a:rPr lang="en-US" dirty="0" smtClean="0"/>
-              <a:t>Gate </a:t>
-            </a:r>
-            <a:r>
-              <a:rPr lang="en-US" dirty="0" smtClean="0"/>
-              <a:t>8: Project Handoff</a:t>
+              <a:t>Final Presentation</a:t>
             </a:r>
             <a:endParaRPr lang="en-US" dirty="0" smtClean="0"/>
           </a:p>
@@ -3102,11 +3098,7 @@
             <a:pPr lvl="0"/>
             <a:r>
               <a:rPr lang="en-US" dirty="0" smtClean="0"/>
-              <a:t>May 10, </a:t>
-            </a:r>
-            <a:r>
-              <a:rPr lang="en-US" dirty="0" smtClean="0"/>
-              <a:t>2013</a:t>
+              <a:t>May 10, 2013</a:t>
             </a:r>
           </a:p>
         </p:txBody>
@@ -3341,7 +3333,7 @@
             <a:fld id="{373724D0-DD0F-42EF-84DE-838DB5D26951}" type="datetime1">
               <a:rPr lang="en-US" smtClean="0"/>
               <a:pPr/>
-              <a:t>5/9/2013</a:t>
+              <a:t>5/10/2013</a:t>
             </a:fld>
             <a:endParaRPr lang="en-US" dirty="0"/>
           </a:p>
@@ -3483,7 +3475,7 @@
             <a:fld id="{373724D0-DD0F-42EF-84DE-838DB5D26951}" type="datetime1">
               <a:rPr lang="en-US" smtClean="0"/>
               <a:pPr/>
-              <a:t>5/9/2013</a:t>
+              <a:t>5/10/2013</a:t>
             </a:fld>
             <a:endParaRPr lang="en-US" dirty="0"/>
           </a:p>
@@ -3624,7 +3616,7 @@
             <a:fld id="{373724D0-DD0F-42EF-84DE-838DB5D26951}" type="datetime1">
               <a:rPr lang="en-US" smtClean="0"/>
               <a:pPr/>
-              <a:t>5/9/2013</a:t>
+              <a:t>5/10/2013</a:t>
             </a:fld>
             <a:endParaRPr lang="en-US" dirty="0"/>
           </a:p>
@@ -3766,7 +3758,7 @@
             <a:fld id="{373724D0-DD0F-42EF-84DE-838DB5D26951}" type="datetime1">
               <a:rPr lang="en-US" smtClean="0"/>
               <a:pPr/>
-              <a:t>5/9/2013</a:t>
+              <a:t>5/10/2013</a:t>
             </a:fld>
             <a:endParaRPr lang="en-US" dirty="0"/>
           </a:p>
@@ -3988,7 +3980,7 @@
             <a:fld id="{7E42FB2E-ABA8-41CA-9C7C-28F5EB525474}" type="datetime1">
               <a:rPr lang="en-US" smtClean="0"/>
               <a:pPr/>
-              <a:t>5/9/2013</a:t>
+              <a:t>5/10/2013</a:t>
             </a:fld>
             <a:endParaRPr lang="en-US" dirty="0"/>
           </a:p>
@@ -4106,7 +4098,7 @@
             <a:fld id="{7E42FB2E-ABA8-41CA-9C7C-28F5EB525474}" type="datetime1">
               <a:rPr lang="en-US" smtClean="0"/>
               <a:pPr/>
-              <a:t>5/9/2013</a:t>
+              <a:t>5/10/2013</a:t>
             </a:fld>
             <a:endParaRPr lang="en-US" dirty="0"/>
           </a:p>
@@ -5508,7 +5500,7 @@
             <a:fld id="{1620389F-DE1D-44C7-B37E-89BCC2F680BE}" type="datetime1">
               <a:rPr lang="en-US" smtClean="0"/>
               <a:pPr/>
-              <a:t>5/9/2013</a:t>
+              <a:t>5/10/2013</a:t>
             </a:fld>
             <a:endParaRPr lang="en-US"/>
           </a:p>
@@ -5650,7 +5642,7 @@
             <a:fld id="{373724D0-DD0F-42EF-84DE-838DB5D26951}" type="datetime1">
               <a:rPr lang="en-US" smtClean="0"/>
               <a:pPr/>
-              <a:t>5/9/2013</a:t>
+              <a:t>5/10/2013</a:t>
             </a:fld>
             <a:endParaRPr lang="en-US" dirty="0"/>
           </a:p>
@@ -5760,7 +5752,7 @@
             </a:pPr>
             <a:r>
               <a:rPr lang="en-US" sz="1600" b="1" dirty="0" smtClean="0"/>
-              <a:t>Background: </a:t>
+              <a:t>Background (Purpose): </a:t>
             </a:r>
             <a:r>
               <a:rPr lang="en-US" sz="1500" dirty="0"/>
@@ -5833,11 +5825,7 @@
             </a:pPr>
             <a:r>
               <a:rPr lang="en-US" sz="1600" b="1" dirty="0" smtClean="0"/>
-              <a:t>Buyoff </a:t>
-            </a:r>
-            <a:r>
-              <a:rPr lang="en-US" sz="1600" b="1" dirty="0" smtClean="0"/>
-              <a:t>Criteria:</a:t>
+              <a:t>Buyoff Criteria:</a:t>
             </a:r>
             <a:endParaRPr lang="en-US" sz="1600" dirty="0" smtClean="0"/>
           </a:p>
@@ -5936,7 +5924,6 @@
               <a:rPr lang="en-US" sz="1600" dirty="0" smtClean="0"/>
               <a:t>Demonstrations</a:t>
             </a:r>
-            <a:endParaRPr lang="en-US" sz="1600" dirty="0" smtClean="0"/>
           </a:p>
         </p:txBody>
       </p:sp>
@@ -5958,7 +5945,7 @@
             <a:fld id="{373724D0-DD0F-42EF-84DE-838DB5D26951}" type="datetime1">
               <a:rPr lang="en-US" smtClean="0"/>
               <a:pPr/>
-              <a:t>5/9/2013</a:t>
+              <a:t>5/10/2013</a:t>
             </a:fld>
             <a:endParaRPr lang="en-US" dirty="0"/>
           </a:p>
@@ -6199,7 +6186,7 @@
             <a:fld id="{7E42FB2E-ABA8-41CA-9C7C-28F5EB525474}" type="datetime1">
               <a:rPr lang="en-US" smtClean="0"/>
               <a:pPr/>
-              <a:t>5/9/2013</a:t>
+              <a:t>5/10/2013</a:t>
             </a:fld>
             <a:endParaRPr lang="en-US" dirty="0"/>
           </a:p>
@@ -6375,7 +6362,7 @@
             <a:fld id="{373724D0-DD0F-42EF-84DE-838DB5D26951}" type="datetime1">
               <a:rPr lang="en-US" smtClean="0"/>
               <a:pPr/>
-              <a:t>5/9/2013</a:t>
+              <a:t>5/10/2013</a:t>
             </a:fld>
             <a:endParaRPr lang="en-US" dirty="0"/>
           </a:p>
@@ -6574,7 +6561,7 @@
             <a:fld id="{7E42FB2E-ABA8-41CA-9C7C-28F5EB525474}" type="datetime1">
               <a:rPr lang="en-US" smtClean="0"/>
               <a:pPr/>
-              <a:t>5/9/2013</a:t>
+              <a:t>5/10/2013</a:t>
             </a:fld>
             <a:endParaRPr lang="en-US" dirty="0"/>
           </a:p>
@@ -6684,7 +6671,7 @@
             <a:fld id="{373724D0-DD0F-42EF-84DE-838DB5D26951}" type="datetime1">
               <a:rPr lang="en-US" smtClean="0"/>
               <a:pPr/>
-              <a:t>5/9/2013</a:t>
+              <a:t>5/10/2013</a:t>
             </a:fld>
             <a:endParaRPr lang="en-US" dirty="0"/>
           </a:p>
@@ -8692,7 +8679,7 @@
             <a:fld id="{373724D0-DD0F-42EF-84DE-838DB5D26951}" type="datetime1">
               <a:rPr lang="en-US" smtClean="0"/>
               <a:pPr/>
-              <a:t>5/9/2013</a:t>
+              <a:t>5/10/2013</a:t>
             </a:fld>
             <a:endParaRPr lang="en-US" dirty="0"/>
           </a:p>
@@ -8896,7 +8883,7 @@
             <a:fld id="{373724D0-DD0F-42EF-84DE-838DB5D26951}" type="datetime1">
               <a:rPr lang="en-US" smtClean="0"/>
               <a:pPr/>
-              <a:t>5/9/2013</a:t>
+              <a:t>5/10/2013</a:t>
             </a:fld>
             <a:endParaRPr lang="en-US" dirty="0"/>
           </a:p>
@@ -9009,7 +8996,7 @@
             <a:fld id="{373724D0-DD0F-42EF-84DE-838DB5D26951}" type="datetime1">
               <a:rPr lang="en-US" smtClean="0"/>
               <a:pPr/>
-              <a:t>5/9/2013</a:t>
+              <a:t>5/10/2013</a:t>
             </a:fld>
             <a:endParaRPr lang="en-US" dirty="0"/>
           </a:p>
